--- a/session__04/advanced/session__04.pptx
+++ b/session__04/advanced/session__04.pptx
@@ -5,7 +5,7 @@
     <p:sldMasterId id="2147483660" r:id="rId1"/>
   </p:sldMasterIdLst>
   <p:notesMasterIdLst>
-    <p:notesMasterId r:id="rId8"/>
+    <p:notesMasterId r:id="rId9"/>
   </p:notesMasterIdLst>
   <p:sldIdLst>
     <p:sldId id="256" r:id="rId2"/>
@@ -13,7 +13,8 @@
     <p:sldId id="258" r:id="rId4"/>
     <p:sldId id="259" r:id="rId5"/>
     <p:sldId id="260" r:id="rId6"/>
-    <p:sldId id="261" r:id="rId7"/>
+    <p:sldId id="262" r:id="rId7"/>
+    <p:sldId id="261" r:id="rId8"/>
   </p:sldIdLst>
   <p:sldSz cx="12192000" cy="6858000"/>
   <p:notesSz cx="6858000" cy="9144000"/>
@@ -202,7 +203,7 @@
           <a:p>
             <a:fld id="{B908859E-0C13-BE46-9CD2-760A28F448B4}" type="datetimeFigureOut">
               <a:rPr lang="en-US" smtClean="0"/>
-              <a:t>8/28/17</a:t>
+              <a:t>8/29/17</a:t>
             </a:fld>
             <a:endParaRPr lang="en-US"/>
           </a:p>
@@ -685,7 +686,7 @@
           <a:p>
             <a:fld id="{4CB9BAD4-874E-5D44-90A4-FBCBA48ED5AC}" type="datetimeFigureOut">
               <a:rPr lang="en-US" smtClean="0"/>
-              <a:t>8/28/17</a:t>
+              <a:t>8/29/17</a:t>
             </a:fld>
             <a:endParaRPr lang="en-US"/>
           </a:p>
@@ -855,7 +856,7 @@
           <a:p>
             <a:fld id="{4CB9BAD4-874E-5D44-90A4-FBCBA48ED5AC}" type="datetimeFigureOut">
               <a:rPr lang="en-US" smtClean="0"/>
-              <a:t>8/28/17</a:t>
+              <a:t>8/29/17</a:t>
             </a:fld>
             <a:endParaRPr lang="en-US"/>
           </a:p>
@@ -1035,7 +1036,7 @@
           <a:p>
             <a:fld id="{4CB9BAD4-874E-5D44-90A4-FBCBA48ED5AC}" type="datetimeFigureOut">
               <a:rPr lang="en-US" smtClean="0"/>
-              <a:t>8/28/17</a:t>
+              <a:t>8/29/17</a:t>
             </a:fld>
             <a:endParaRPr lang="en-US"/>
           </a:p>
@@ -1205,7 +1206,7 @@
           <a:p>
             <a:fld id="{4CB9BAD4-874E-5D44-90A4-FBCBA48ED5AC}" type="datetimeFigureOut">
               <a:rPr lang="en-US" smtClean="0"/>
-              <a:t>8/28/17</a:t>
+              <a:t>8/29/17</a:t>
             </a:fld>
             <a:endParaRPr lang="en-US"/>
           </a:p>
@@ -1451,7 +1452,7 @@
           <a:p>
             <a:fld id="{4CB9BAD4-874E-5D44-90A4-FBCBA48ED5AC}" type="datetimeFigureOut">
               <a:rPr lang="en-US" smtClean="0"/>
-              <a:t>8/28/17</a:t>
+              <a:t>8/29/17</a:t>
             </a:fld>
             <a:endParaRPr lang="en-US"/>
           </a:p>
@@ -1683,7 +1684,7 @@
           <a:p>
             <a:fld id="{4CB9BAD4-874E-5D44-90A4-FBCBA48ED5AC}" type="datetimeFigureOut">
               <a:rPr lang="en-US" smtClean="0"/>
-              <a:t>8/28/17</a:t>
+              <a:t>8/29/17</a:t>
             </a:fld>
             <a:endParaRPr lang="en-US"/>
           </a:p>
@@ -2050,7 +2051,7 @@
           <a:p>
             <a:fld id="{4CB9BAD4-874E-5D44-90A4-FBCBA48ED5AC}" type="datetimeFigureOut">
               <a:rPr lang="en-US" smtClean="0"/>
-              <a:t>8/28/17</a:t>
+              <a:t>8/29/17</a:t>
             </a:fld>
             <a:endParaRPr lang="en-US"/>
           </a:p>
@@ -2168,7 +2169,7 @@
           <a:p>
             <a:fld id="{4CB9BAD4-874E-5D44-90A4-FBCBA48ED5AC}" type="datetimeFigureOut">
               <a:rPr lang="en-US" smtClean="0"/>
-              <a:t>8/28/17</a:t>
+              <a:t>8/29/17</a:t>
             </a:fld>
             <a:endParaRPr lang="en-US"/>
           </a:p>
@@ -2263,7 +2264,7 @@
           <a:p>
             <a:fld id="{4CB9BAD4-874E-5D44-90A4-FBCBA48ED5AC}" type="datetimeFigureOut">
               <a:rPr lang="en-US" smtClean="0"/>
-              <a:t>8/28/17</a:t>
+              <a:t>8/29/17</a:t>
             </a:fld>
             <a:endParaRPr lang="en-US"/>
           </a:p>
@@ -2540,7 +2541,7 @@
           <a:p>
             <a:fld id="{4CB9BAD4-874E-5D44-90A4-FBCBA48ED5AC}" type="datetimeFigureOut">
               <a:rPr lang="en-US" smtClean="0"/>
-              <a:t>8/28/17</a:t>
+              <a:t>8/29/17</a:t>
             </a:fld>
             <a:endParaRPr lang="en-US"/>
           </a:p>
@@ -2797,7 +2798,7 @@
           <a:p>
             <a:fld id="{4CB9BAD4-874E-5D44-90A4-FBCBA48ED5AC}" type="datetimeFigureOut">
               <a:rPr lang="en-US" smtClean="0"/>
-              <a:t>8/28/17</a:t>
+              <a:t>8/29/17</a:t>
             </a:fld>
             <a:endParaRPr lang="en-US"/>
           </a:p>
@@ -3010,7 +3011,7 @@
           <a:p>
             <a:fld id="{4CB9BAD4-874E-5D44-90A4-FBCBA48ED5AC}" type="datetimeFigureOut">
               <a:rPr lang="en-US" smtClean="0"/>
-              <a:t>8/28/17</a:t>
+              <a:t>8/29/17</a:t>
             </a:fld>
             <a:endParaRPr lang="en-US"/>
           </a:p>
@@ -3797,6 +3798,13 @@
   <p:clrMapOvr>
     <a:masterClrMapping/>
   </p:clrMapOvr>
+  <p:timing>
+    <p:tnLst>
+      <p:par>
+        <p:cTn id="1" dur="indefinite" restart="never" nodeType="tmRoot"/>
+      </p:par>
+    </p:tnLst>
+  </p:timing>
 </p:sld>
 </file>
 
@@ -4057,10 +4065,7 @@
             <a:avLst/>
           </a:prstGeom>
           <a:solidFill>
-            <a:schemeClr val="bg1">
-              <a:lumMod val="85000"/>
-              <a:lumOff val="15000"/>
-            </a:schemeClr>
+            <a:schemeClr val="tx1"/>
           </a:solidFill>
         </p:spPr>
         <p:txBody>
@@ -4070,17 +4075,33 @@
           <a:lstStyle/>
           <a:p>
             <a:r>
-              <a:rPr lang="en-US" dirty="0"/>
+              <a:rPr lang="en-US" dirty="0">
+                <a:solidFill>
+                  <a:schemeClr val="bg1"/>
+                </a:solidFill>
+              </a:rPr>
               <a:t>as each of the properties of the shorthand:</a:t>
             </a:r>
             <a:r>
-              <a:rPr lang="en-US" dirty="0" smtClean="0"/>
+              <a:rPr lang="en-US" dirty="0" smtClean="0">
+                <a:solidFill>
+                  <a:schemeClr val="bg1"/>
+                </a:solidFill>
+              </a:rPr>
               <a:t/>
             </a:r>
             <a:br>
-              <a:rPr lang="en-US" dirty="0" smtClean="0"/>
+              <a:rPr lang="en-US" dirty="0" smtClean="0">
+                <a:solidFill>
+                  <a:schemeClr val="bg1"/>
+                </a:solidFill>
+              </a:rPr>
             </a:br>
-            <a:endParaRPr lang="en-US" dirty="0" smtClean="0"/>
+            <a:endParaRPr lang="en-US" dirty="0" smtClean="0">
+              <a:solidFill>
+                <a:schemeClr val="bg1"/>
+              </a:solidFill>
+            </a:endParaRPr>
           </a:p>
           <a:p>
             <a:pPr marL="285750" indent="-285750">
@@ -4089,12 +4110,19 @@
             </a:pPr>
             <a:r>
               <a:rPr lang="en-US" dirty="0" smtClean="0">
+                <a:solidFill>
+                  <a:schemeClr val="bg1"/>
+                </a:solidFill>
                 <a:hlinkClick r:id="rId2" tooltip="The animation-name CSS property specifies one or more animations that should be applied to an element. Each name indicates an @keyframes at-rule that defines the property values for the animation sequence."/>
               </a:rPr>
               <a:t>animation-name</a:t>
             </a:r>
             <a:r>
-              <a:rPr lang="en-US" dirty="0"/>
+              <a:rPr lang="en-US" dirty="0">
+                <a:solidFill>
+                  <a:schemeClr val="bg1"/>
+                </a:solidFill>
+              </a:rPr>
               <a:t>: none</a:t>
             </a:r>
           </a:p>
@@ -4105,12 +4133,19 @@
             </a:pPr>
             <a:r>
               <a:rPr lang="en-US" dirty="0">
+                <a:solidFill>
+                  <a:schemeClr val="bg1"/>
+                </a:solidFill>
                 <a:hlinkClick r:id="rId3" tooltip="The animation-duration CSS property specifies the length of time that an animation should take to complete one cycle."/>
               </a:rPr>
               <a:t>animation-duration</a:t>
             </a:r>
             <a:r>
-              <a:rPr lang="en-US" dirty="0"/>
+              <a:rPr lang="en-US" dirty="0">
+                <a:solidFill>
+                  <a:schemeClr val="bg1"/>
+                </a:solidFill>
+              </a:rPr>
               <a:t>: 0s</a:t>
             </a:r>
           </a:p>
@@ -4121,12 +4156,19 @@
             </a:pPr>
             <a:r>
               <a:rPr lang="en-US" dirty="0">
+                <a:solidFill>
+                  <a:schemeClr val="bg1"/>
+                </a:solidFill>
                 <a:hlinkClick r:id="rId4" tooltip="The animation-timing-function CSS property specifies how a CSS animation should progress over the duration of each cycle."/>
               </a:rPr>
               <a:t>animation-timing-function</a:t>
             </a:r>
             <a:r>
-              <a:rPr lang="en-US" dirty="0"/>
+              <a:rPr lang="en-US" dirty="0">
+                <a:solidFill>
+                  <a:schemeClr val="bg1"/>
+                </a:solidFill>
+              </a:rPr>
               <a:t>: ease</a:t>
             </a:r>
           </a:p>
@@ -4137,12 +4179,19 @@
             </a:pPr>
             <a:r>
               <a:rPr lang="en-US" dirty="0">
+                <a:solidFill>
+                  <a:schemeClr val="bg1"/>
+                </a:solidFill>
                 <a:hlinkClick r:id="rId5" tooltip="The animation-delay CSS property specifies when an animation should start. You can begin the animation at a future point in time, immediately and from its begining, or immediately and partway through the animation cycle."/>
               </a:rPr>
               <a:t>animation-delay</a:t>
             </a:r>
             <a:r>
-              <a:rPr lang="en-US" dirty="0"/>
+              <a:rPr lang="en-US" dirty="0">
+                <a:solidFill>
+                  <a:schemeClr val="bg1"/>
+                </a:solidFill>
+              </a:rPr>
               <a:t>: 0s</a:t>
             </a:r>
           </a:p>
@@ -4153,12 +4202,19 @@
             </a:pPr>
             <a:r>
               <a:rPr lang="en-US" dirty="0">
+                <a:solidFill>
+                  <a:schemeClr val="bg1"/>
+                </a:solidFill>
                 <a:hlinkClick r:id="rId6" tooltip="The animation-iteration-count CSS property specifies the number of times an animation cycle should be played before stopping. If multiple values are specified, each time the animation is played, the next value in the list is used, cycling back to the first value after the last one is used."/>
               </a:rPr>
               <a:t>animation-iteration-count</a:t>
             </a:r>
             <a:r>
-              <a:rPr lang="en-US" dirty="0"/>
+              <a:rPr lang="en-US" dirty="0">
+                <a:solidFill>
+                  <a:schemeClr val="bg1"/>
+                </a:solidFill>
+              </a:rPr>
               <a:t>: 1</a:t>
             </a:r>
           </a:p>
@@ -4169,12 +4225,19 @@
             </a:pPr>
             <a:r>
               <a:rPr lang="en-US" dirty="0">
+                <a:solidFill>
+                  <a:schemeClr val="bg1"/>
+                </a:solidFill>
                 <a:hlinkClick r:id="rId7" tooltip="The animation-direction CSS property specifies whether an animation should play forwards, backwards, or alternating back and forth."/>
               </a:rPr>
               <a:t>animation-direction</a:t>
             </a:r>
             <a:r>
-              <a:rPr lang="en-US" dirty="0"/>
+              <a:rPr lang="en-US" dirty="0">
+                <a:solidFill>
+                  <a:schemeClr val="bg1"/>
+                </a:solidFill>
+              </a:rPr>
               <a:t>: normal</a:t>
             </a:r>
           </a:p>
@@ -4185,12 +4248,19 @@
             </a:pPr>
             <a:r>
               <a:rPr lang="en-US" dirty="0">
+                <a:solidFill>
+                  <a:schemeClr val="bg1"/>
+                </a:solidFill>
                 <a:hlinkClick r:id="rId8" tooltip="The animation-fill-mode CSS property specifies how a CSS animation should apply styles to its target before and after its execution."/>
               </a:rPr>
               <a:t>animation-fill-mode</a:t>
             </a:r>
             <a:r>
-              <a:rPr lang="en-US" dirty="0"/>
+              <a:rPr lang="en-US" dirty="0">
+                <a:solidFill>
+                  <a:schemeClr val="bg1"/>
+                </a:solidFill>
+              </a:rPr>
               <a:t>: none</a:t>
             </a:r>
           </a:p>
@@ -4201,21 +4271,26 @@
             </a:pPr>
             <a:r>
               <a:rPr lang="en-US" dirty="0">
+                <a:solidFill>
+                  <a:schemeClr val="bg1"/>
+                </a:solidFill>
                 <a:hlinkClick r:id="rId9" tooltip="The animation-play-state CSS property specifies whether an animation is running or paused. In JavaScript, this can be queried to determine whether or not the animation is currently running. In addition, you can use JavaScript to set its value to pause or resume playback of an animation."/>
               </a:rPr>
               <a:t>animation-play-state</a:t>
             </a:r>
             <a:r>
-              <a:rPr lang="en-US" dirty="0"/>
+              <a:rPr lang="en-US" dirty="0">
+                <a:solidFill>
+                  <a:schemeClr val="bg1"/>
+                </a:solidFill>
+              </a:rPr>
               <a:t>: running</a:t>
             </a:r>
           </a:p>
           <a:p>
             <a:endParaRPr lang="en-US" b="0" dirty="0" smtClean="0">
               <a:solidFill>
-                <a:schemeClr val="tx1">
-                  <a:lumMod val="50000"/>
-                </a:schemeClr>
+                <a:schemeClr val="bg1"/>
               </a:solidFill>
               <a:effectLst/>
               <a:latin typeface="Fira Code" charset="0"/>
@@ -4233,6 +4308,13 @@
   <p:clrMapOvr>
     <a:masterClrMapping/>
   </p:clrMapOvr>
+  <p:timing>
+    <p:tnLst>
+      <p:par>
+        <p:cTn id="1" dur="indefinite" restart="never" nodeType="tmRoot"/>
+      </p:par>
+    </p:tnLst>
+  </p:timing>
 </p:sld>
 </file>
 
@@ -5580,6 +5662,13 @@
   <p:clrMapOvr>
     <a:masterClrMapping/>
   </p:clrMapOvr>
+  <p:timing>
+    <p:tnLst>
+      <p:par>
+        <p:cTn id="1" dur="indefinite" restart="never" nodeType="tmRoot"/>
+      </p:par>
+    </p:tnLst>
+  </p:timing>
 </p:sld>
 </file>
 
@@ -6247,6 +6336,135 @@
 </file>
 
 <file path=ppt/slides/slide6.xml><?xml version="1.0" encoding="utf-8"?>
+<p:sld xmlns:a="http://schemas.openxmlformats.org/drawingml/2006/main" xmlns:r="http://schemas.openxmlformats.org/officeDocument/2006/relationships" xmlns:p="http://schemas.openxmlformats.org/presentationml/2006/main">
+  <p:cSld>
+    <p:spTree>
+      <p:nvGrpSpPr>
+        <p:cNvPr id="1" name=""/>
+        <p:cNvGrpSpPr/>
+        <p:nvPr/>
+      </p:nvGrpSpPr>
+      <p:grpSpPr>
+        <a:xfrm>
+          <a:off x="0" y="0"/>
+          <a:ext cx="0" cy="0"/>
+          <a:chOff x="0" y="0"/>
+          <a:chExt cx="0" cy="0"/>
+        </a:xfrm>
+      </p:grpSpPr>
+      <p:sp>
+        <p:nvSpPr>
+          <p:cNvPr id="2" name="Title 1"/>
+          <p:cNvSpPr>
+            <a:spLocks noGrp="1"/>
+          </p:cNvSpPr>
+          <p:nvPr>
+            <p:ph type="title"/>
+          </p:nvPr>
+        </p:nvSpPr>
+        <p:spPr/>
+        <p:txBody>
+          <a:bodyPr/>
+          <a:lstStyle/>
+          <a:p>
+            <a:r>
+              <a:rPr lang="en-US" smtClean="0"/>
+              <a:t>Example</a:t>
+            </a:r>
+            <a:endParaRPr lang="en-US" dirty="0"/>
+          </a:p>
+        </p:txBody>
+      </p:sp>
+      <p:pic>
+        <p:nvPicPr>
+          <p:cNvPr id="3" name="Picture 2"/>
+          <p:cNvPicPr>
+            <a:picLocks noChangeAspect="1"/>
+          </p:cNvPicPr>
+          <p:nvPr/>
+        </p:nvPicPr>
+        <p:blipFill>
+          <a:blip r:embed="rId2">
+            <a:extLst>
+              <a:ext uri="{28A0092B-C50C-407E-A947-70E740481C1C}">
+                <a14:useLocalDpi xmlns:a14="http://schemas.microsoft.com/office/drawing/2010/main" val="0"/>
+              </a:ext>
+            </a:extLst>
+          </a:blip>
+          <a:stretch>
+            <a:fillRect/>
+          </a:stretch>
+        </p:blipFill>
+        <p:spPr>
+          <a:xfrm>
+            <a:off x="5395106" y="1933182"/>
+            <a:ext cx="1401788" cy="2912524"/>
+          </a:xfrm>
+          <a:prstGeom prst="rect">
+            <a:avLst/>
+          </a:prstGeom>
+        </p:spPr>
+      </p:pic>
+      <p:sp>
+        <p:nvSpPr>
+          <p:cNvPr id="6" name="TextBox 5"/>
+          <p:cNvSpPr txBox="1"/>
+          <p:nvPr/>
+        </p:nvSpPr>
+        <p:spPr>
+          <a:xfrm>
+            <a:off x="4261412" y="5231757"/>
+            <a:ext cx="3669175" cy="381964"/>
+          </a:xfrm>
+          <a:prstGeom prst="rect">
+            <a:avLst/>
+          </a:prstGeom>
+          <a:noFill/>
+        </p:spPr>
+        <p:txBody>
+          <a:bodyPr wrap="square" rtlCol="0">
+            <a:spAutoFit/>
+          </a:bodyPr>
+          <a:lstStyle/>
+          <a:p>
+            <a:pPr algn="ctr"/>
+            <a:r>
+              <a:rPr lang="en-US" dirty="0"/>
+              <a:t>https://</a:t>
+            </a:r>
+            <a:r>
+              <a:rPr lang="en-US" dirty="0" err="1"/>
+              <a:t>goo.gl</a:t>
+            </a:r>
+            <a:r>
+              <a:rPr lang="en-US" dirty="0"/>
+              <a:t>/rri5MY</a:t>
+            </a:r>
+            <a:endParaRPr lang="en-US" dirty="0"/>
+          </a:p>
+        </p:txBody>
+      </p:sp>
+    </p:spTree>
+    <p:extLst>
+      <p:ext uri="{BB962C8B-B14F-4D97-AF65-F5344CB8AC3E}">
+        <p14:creationId xmlns:p14="http://schemas.microsoft.com/office/powerpoint/2010/main" val="128172384"/>
+      </p:ext>
+    </p:extLst>
+  </p:cSld>
+  <p:clrMapOvr>
+    <a:masterClrMapping/>
+  </p:clrMapOvr>
+  <p:timing>
+    <p:tnLst>
+      <p:par>
+        <p:cTn id="1" dur="indefinite" restart="never" nodeType="tmRoot"/>
+      </p:par>
+    </p:tnLst>
+  </p:timing>
+</p:sld>
+</file>
+
+<file path=ppt/slides/slide7.xml><?xml version="1.0" encoding="utf-8"?>
 <p:sld xmlns:a="http://schemas.openxmlformats.org/drawingml/2006/main" xmlns:r="http://schemas.openxmlformats.org/officeDocument/2006/relationships" xmlns:p="http://schemas.openxmlformats.org/presentationml/2006/main">
   <p:cSld>
     <p:spTree>
@@ -6346,6 +6564,84 @@
           </a:prstGeom>
         </p:spPr>
       </p:pic>
+      <p:sp>
+        <p:nvSpPr>
+          <p:cNvPr id="3" name="TextBox 2"/>
+          <p:cNvSpPr txBox="1"/>
+          <p:nvPr/>
+        </p:nvSpPr>
+        <p:spPr>
+          <a:xfrm>
+            <a:off x="6767177" y="5058135"/>
+            <a:ext cx="2702534" cy="369332"/>
+          </a:xfrm>
+          <a:prstGeom prst="rect">
+            <a:avLst/>
+          </a:prstGeom>
+          <a:noFill/>
+        </p:spPr>
+        <p:txBody>
+          <a:bodyPr wrap="square" rtlCol="0">
+            <a:spAutoFit/>
+          </a:bodyPr>
+          <a:lstStyle/>
+          <a:p>
+            <a:pPr algn="ctr"/>
+            <a:r>
+              <a:rPr lang="en-US" dirty="0"/>
+              <a:t>https://</a:t>
+            </a:r>
+            <a:r>
+              <a:rPr lang="en-US" dirty="0" err="1"/>
+              <a:t>goo.gl</a:t>
+            </a:r>
+            <a:r>
+              <a:rPr lang="en-US" dirty="0"/>
+              <a:t>/LLTT1K</a:t>
+            </a:r>
+            <a:endParaRPr lang="en-US" dirty="0"/>
+          </a:p>
+        </p:txBody>
+      </p:sp>
+      <p:sp>
+        <p:nvSpPr>
+          <p:cNvPr id="6" name="TextBox 5"/>
+          <p:cNvSpPr txBox="1"/>
+          <p:nvPr/>
+        </p:nvSpPr>
+        <p:spPr>
+          <a:xfrm>
+            <a:off x="2467555" y="5000263"/>
+            <a:ext cx="2702534" cy="369332"/>
+          </a:xfrm>
+          <a:prstGeom prst="rect">
+            <a:avLst/>
+          </a:prstGeom>
+          <a:noFill/>
+        </p:spPr>
+        <p:txBody>
+          <a:bodyPr wrap="square" rtlCol="0">
+            <a:spAutoFit/>
+          </a:bodyPr>
+          <a:lstStyle/>
+          <a:p>
+            <a:pPr algn="ctr"/>
+            <a:r>
+              <a:rPr lang="en-US" dirty="0"/>
+              <a:t>https://</a:t>
+            </a:r>
+            <a:r>
+              <a:rPr lang="en-US" dirty="0" err="1"/>
+              <a:t>goo.gl</a:t>
+            </a:r>
+            <a:r>
+              <a:rPr lang="en-US" dirty="0"/>
+              <a:t>/8SfnjQ</a:t>
+            </a:r>
+            <a:endParaRPr lang="en-US" dirty="0"/>
+          </a:p>
+        </p:txBody>
+      </p:sp>
     </p:spTree>
     <p:extLst>
       <p:ext uri="{BB962C8B-B14F-4D97-AF65-F5344CB8AC3E}">
